--- a/ppt 16-9/0431.你要知道.pptx
+++ b/ppt 16-9/0431.你要知道.pptx
@@ -129,7 +129,7 @@
           <p:cNvPr id="2" name="标题 1">
             <a:extLst>
               <a:ext uri="{FF2B5EF4-FFF2-40B4-BE49-F238E27FC236}">
-                <a16:creationId xmlns:a16="http://schemas.microsoft.com/office/drawing/2014/main" id="{2D676D67-E05E-A176-85C5-F78FEDDC3C03}"/>
+                <a16:creationId xmlns:a16="http://schemas.microsoft.com/office/drawing/2014/main" id="{138692EA-F16B-5D80-9612-A5D607490F30}"/>
               </a:ext>
             </a:extLst>
           </p:cNvPr>
@@ -166,7 +166,7 @@
           <p:cNvPr id="3" name="副标题 2">
             <a:extLst>
               <a:ext uri="{FF2B5EF4-FFF2-40B4-BE49-F238E27FC236}">
-                <a16:creationId xmlns:a16="http://schemas.microsoft.com/office/drawing/2014/main" id="{3923C814-E133-8CF8-E756-29B9FA939908}"/>
+                <a16:creationId xmlns:a16="http://schemas.microsoft.com/office/drawing/2014/main" id="{510D220B-F1EC-C118-FE2D-C83C4BB0177E}"/>
               </a:ext>
             </a:extLst>
           </p:cNvPr>
@@ -236,7 +236,7 @@
           <p:cNvPr id="4" name="日期占位符 3">
             <a:extLst>
               <a:ext uri="{FF2B5EF4-FFF2-40B4-BE49-F238E27FC236}">
-                <a16:creationId xmlns:a16="http://schemas.microsoft.com/office/drawing/2014/main" id="{28C18213-1776-1E01-73E6-F47C33D1ACD7}"/>
+                <a16:creationId xmlns:a16="http://schemas.microsoft.com/office/drawing/2014/main" id="{72E3FF67-5F70-7B33-63EC-FC31479E9B7B}"/>
               </a:ext>
             </a:extLst>
           </p:cNvPr>
@@ -252,7 +252,7 @@
           <a:bodyPr/>
           <a:lstStyle/>
           <a:p>
-            <a:fld id="{BEDC881C-D89C-4EF3-A1E9-F32380B9EF94}" type="datetimeFigureOut">
+            <a:fld id="{7D3B321E-A5EB-4684-B0F1-3FD76CE6CAD5}" type="datetimeFigureOut">
               <a:rPr lang="zh-CN" altLang="en-US" smtClean="0"/>
               <a:t>2024/3/10</a:t>
             </a:fld>
@@ -265,7 +265,7 @@
           <p:cNvPr id="5" name="页脚占位符 4">
             <a:extLst>
               <a:ext uri="{FF2B5EF4-FFF2-40B4-BE49-F238E27FC236}">
-                <a16:creationId xmlns:a16="http://schemas.microsoft.com/office/drawing/2014/main" id="{0F81DB8A-4FBF-47B5-18C6-79ADB4E432EC}"/>
+                <a16:creationId xmlns:a16="http://schemas.microsoft.com/office/drawing/2014/main" id="{293D9FA4-6BC3-E31F-E56B-4870DD602EB5}"/>
               </a:ext>
             </a:extLst>
           </p:cNvPr>
@@ -290,7 +290,7 @@
           <p:cNvPr id="6" name="灯片编号占位符 5">
             <a:extLst>
               <a:ext uri="{FF2B5EF4-FFF2-40B4-BE49-F238E27FC236}">
-                <a16:creationId xmlns:a16="http://schemas.microsoft.com/office/drawing/2014/main" id="{554301BD-F796-234E-AA8C-CF042603C710}"/>
+                <a16:creationId xmlns:a16="http://schemas.microsoft.com/office/drawing/2014/main" id="{6C99EEF5-0CDA-C325-6593-5B8531794D4F}"/>
               </a:ext>
             </a:extLst>
           </p:cNvPr>
@@ -306,7 +306,7 @@
           <a:bodyPr/>
           <a:lstStyle/>
           <a:p>
-            <a:fld id="{E6FBE710-DFC4-4FB5-9582-4BECA293AC5A}" type="slidenum">
+            <a:fld id="{2BBB5783-9726-4B7E-9C6F-D0817E3BC911}" type="slidenum">
               <a:rPr lang="zh-CN" altLang="en-US" smtClean="0"/>
               <a:t>‹#›</a:t>
             </a:fld>
@@ -317,7 +317,7 @@
     </p:spTree>
     <p:extLst>
       <p:ext uri="{BB962C8B-B14F-4D97-AF65-F5344CB8AC3E}">
-        <p14:creationId xmlns:p14="http://schemas.microsoft.com/office/powerpoint/2010/main" val="2259677262"/>
+        <p14:creationId xmlns:p14="http://schemas.microsoft.com/office/powerpoint/2010/main" val="137098014"/>
       </p:ext>
     </p:extLst>
   </p:cSld>
@@ -349,7 +349,7 @@
           <p:cNvPr id="2" name="标题 1">
             <a:extLst>
               <a:ext uri="{FF2B5EF4-FFF2-40B4-BE49-F238E27FC236}">
-                <a16:creationId xmlns:a16="http://schemas.microsoft.com/office/drawing/2014/main" id="{1D721578-82F2-9E31-74B7-095CB54BC9DB}"/>
+                <a16:creationId xmlns:a16="http://schemas.microsoft.com/office/drawing/2014/main" id="{09CEF3EB-95D4-69DD-9C4E-DD416A4368AF}"/>
               </a:ext>
             </a:extLst>
           </p:cNvPr>
@@ -377,7 +377,7 @@
           <p:cNvPr id="3" name="竖排文字占位符 2">
             <a:extLst>
               <a:ext uri="{FF2B5EF4-FFF2-40B4-BE49-F238E27FC236}">
-                <a16:creationId xmlns:a16="http://schemas.microsoft.com/office/drawing/2014/main" id="{8D686BB5-6B46-E784-9755-D711CB2697F0}"/>
+                <a16:creationId xmlns:a16="http://schemas.microsoft.com/office/drawing/2014/main" id="{32A59296-6905-2301-3987-58682BD3604B}"/>
               </a:ext>
             </a:extLst>
           </p:cNvPr>
@@ -434,7 +434,7 @@
           <p:cNvPr id="4" name="日期占位符 3">
             <a:extLst>
               <a:ext uri="{FF2B5EF4-FFF2-40B4-BE49-F238E27FC236}">
-                <a16:creationId xmlns:a16="http://schemas.microsoft.com/office/drawing/2014/main" id="{27BC2D80-7C0F-A2AB-AD9E-922D1E8B1383}"/>
+                <a16:creationId xmlns:a16="http://schemas.microsoft.com/office/drawing/2014/main" id="{B2617877-DEBF-A5F5-D6DD-0F55983E0000}"/>
               </a:ext>
             </a:extLst>
           </p:cNvPr>
@@ -450,7 +450,7 @@
           <a:bodyPr/>
           <a:lstStyle/>
           <a:p>
-            <a:fld id="{BEDC881C-D89C-4EF3-A1E9-F32380B9EF94}" type="datetimeFigureOut">
+            <a:fld id="{7D3B321E-A5EB-4684-B0F1-3FD76CE6CAD5}" type="datetimeFigureOut">
               <a:rPr lang="zh-CN" altLang="en-US" smtClean="0"/>
               <a:t>2024/3/10</a:t>
             </a:fld>
@@ -463,7 +463,7 @@
           <p:cNvPr id="5" name="页脚占位符 4">
             <a:extLst>
               <a:ext uri="{FF2B5EF4-FFF2-40B4-BE49-F238E27FC236}">
-                <a16:creationId xmlns:a16="http://schemas.microsoft.com/office/drawing/2014/main" id="{15656DBA-EA2F-0BF0-431B-AF6CD1F1A0E4}"/>
+                <a16:creationId xmlns:a16="http://schemas.microsoft.com/office/drawing/2014/main" id="{56F57B4D-0D53-1DE0-D5C9-BABDB3BB1E75}"/>
               </a:ext>
             </a:extLst>
           </p:cNvPr>
@@ -488,7 +488,7 @@
           <p:cNvPr id="6" name="灯片编号占位符 5">
             <a:extLst>
               <a:ext uri="{FF2B5EF4-FFF2-40B4-BE49-F238E27FC236}">
-                <a16:creationId xmlns:a16="http://schemas.microsoft.com/office/drawing/2014/main" id="{A03FB21B-842D-F7C1-02B0-98553B6BE6CC}"/>
+                <a16:creationId xmlns:a16="http://schemas.microsoft.com/office/drawing/2014/main" id="{9E44EE5E-5195-8694-FF6B-0FD8CAEE05A0}"/>
               </a:ext>
             </a:extLst>
           </p:cNvPr>
@@ -504,7 +504,7 @@
           <a:bodyPr/>
           <a:lstStyle/>
           <a:p>
-            <a:fld id="{E6FBE710-DFC4-4FB5-9582-4BECA293AC5A}" type="slidenum">
+            <a:fld id="{2BBB5783-9726-4B7E-9C6F-D0817E3BC911}" type="slidenum">
               <a:rPr lang="zh-CN" altLang="en-US" smtClean="0"/>
               <a:t>‹#›</a:t>
             </a:fld>
@@ -515,7 +515,7 @@
     </p:spTree>
     <p:extLst>
       <p:ext uri="{BB962C8B-B14F-4D97-AF65-F5344CB8AC3E}">
-        <p14:creationId xmlns:p14="http://schemas.microsoft.com/office/powerpoint/2010/main" val="2030037472"/>
+        <p14:creationId xmlns:p14="http://schemas.microsoft.com/office/powerpoint/2010/main" val="864208863"/>
       </p:ext>
     </p:extLst>
   </p:cSld>
@@ -547,7 +547,7 @@
           <p:cNvPr id="2" name="竖排标题 1">
             <a:extLst>
               <a:ext uri="{FF2B5EF4-FFF2-40B4-BE49-F238E27FC236}">
-                <a16:creationId xmlns:a16="http://schemas.microsoft.com/office/drawing/2014/main" id="{7E5EAE3A-732B-C27E-4885-7908929DD098}"/>
+                <a16:creationId xmlns:a16="http://schemas.microsoft.com/office/drawing/2014/main" id="{00AACF19-7C03-A76B-5FD5-94EC626469C0}"/>
               </a:ext>
             </a:extLst>
           </p:cNvPr>
@@ -580,7 +580,7 @@
           <p:cNvPr id="3" name="竖排文字占位符 2">
             <a:extLst>
               <a:ext uri="{FF2B5EF4-FFF2-40B4-BE49-F238E27FC236}">
-                <a16:creationId xmlns:a16="http://schemas.microsoft.com/office/drawing/2014/main" id="{7394354E-5A5A-1E00-A485-76B85C417221}"/>
+                <a16:creationId xmlns:a16="http://schemas.microsoft.com/office/drawing/2014/main" id="{685B0DE3-9A45-37FB-1269-19D5BBC1F939}"/>
               </a:ext>
             </a:extLst>
           </p:cNvPr>
@@ -642,7 +642,7 @@
           <p:cNvPr id="4" name="日期占位符 3">
             <a:extLst>
               <a:ext uri="{FF2B5EF4-FFF2-40B4-BE49-F238E27FC236}">
-                <a16:creationId xmlns:a16="http://schemas.microsoft.com/office/drawing/2014/main" id="{2002092F-9375-35E4-7096-590AC63D9726}"/>
+                <a16:creationId xmlns:a16="http://schemas.microsoft.com/office/drawing/2014/main" id="{8FA463F5-4460-9215-7C03-D23A4B81629F}"/>
               </a:ext>
             </a:extLst>
           </p:cNvPr>
@@ -658,7 +658,7 @@
           <a:bodyPr/>
           <a:lstStyle/>
           <a:p>
-            <a:fld id="{BEDC881C-D89C-4EF3-A1E9-F32380B9EF94}" type="datetimeFigureOut">
+            <a:fld id="{7D3B321E-A5EB-4684-B0F1-3FD76CE6CAD5}" type="datetimeFigureOut">
               <a:rPr lang="zh-CN" altLang="en-US" smtClean="0"/>
               <a:t>2024/3/10</a:t>
             </a:fld>
@@ -671,7 +671,7 @@
           <p:cNvPr id="5" name="页脚占位符 4">
             <a:extLst>
               <a:ext uri="{FF2B5EF4-FFF2-40B4-BE49-F238E27FC236}">
-                <a16:creationId xmlns:a16="http://schemas.microsoft.com/office/drawing/2014/main" id="{6345C18E-D5A9-623B-D2D1-2ADBF9B8B1E2}"/>
+                <a16:creationId xmlns:a16="http://schemas.microsoft.com/office/drawing/2014/main" id="{B66DE0B2-E4A5-5BFC-F267-231F545DF86C}"/>
               </a:ext>
             </a:extLst>
           </p:cNvPr>
@@ -696,7 +696,7 @@
           <p:cNvPr id="6" name="灯片编号占位符 5">
             <a:extLst>
               <a:ext uri="{FF2B5EF4-FFF2-40B4-BE49-F238E27FC236}">
-                <a16:creationId xmlns:a16="http://schemas.microsoft.com/office/drawing/2014/main" id="{ADC50542-CCB4-17E6-F0C8-14DF14F6A681}"/>
+                <a16:creationId xmlns:a16="http://schemas.microsoft.com/office/drawing/2014/main" id="{B89DA02C-C952-9D0D-F366-4F251231E571}"/>
               </a:ext>
             </a:extLst>
           </p:cNvPr>
@@ -712,7 +712,7 @@
           <a:bodyPr/>
           <a:lstStyle/>
           <a:p>
-            <a:fld id="{E6FBE710-DFC4-4FB5-9582-4BECA293AC5A}" type="slidenum">
+            <a:fld id="{2BBB5783-9726-4B7E-9C6F-D0817E3BC911}" type="slidenum">
               <a:rPr lang="zh-CN" altLang="en-US" smtClean="0"/>
               <a:t>‹#›</a:t>
             </a:fld>
@@ -723,7 +723,7 @@
     </p:spTree>
     <p:extLst>
       <p:ext uri="{BB962C8B-B14F-4D97-AF65-F5344CB8AC3E}">
-        <p14:creationId xmlns:p14="http://schemas.microsoft.com/office/powerpoint/2010/main" val="1075251319"/>
+        <p14:creationId xmlns:p14="http://schemas.microsoft.com/office/powerpoint/2010/main" val="2328718064"/>
       </p:ext>
     </p:extLst>
   </p:cSld>
@@ -755,7 +755,7 @@
           <p:cNvPr id="2" name="标题 1">
             <a:extLst>
               <a:ext uri="{FF2B5EF4-FFF2-40B4-BE49-F238E27FC236}">
-                <a16:creationId xmlns:a16="http://schemas.microsoft.com/office/drawing/2014/main" id="{05B471A9-80DF-D2E5-D5E0-B64AEEF71836}"/>
+                <a16:creationId xmlns:a16="http://schemas.microsoft.com/office/drawing/2014/main" id="{A46A6C7F-6B98-B76E-FDEE-2C7C440EB9DE}"/>
               </a:ext>
             </a:extLst>
           </p:cNvPr>
@@ -783,7 +783,7 @@
           <p:cNvPr id="3" name="内容占位符 2">
             <a:extLst>
               <a:ext uri="{FF2B5EF4-FFF2-40B4-BE49-F238E27FC236}">
-                <a16:creationId xmlns:a16="http://schemas.microsoft.com/office/drawing/2014/main" id="{FD793171-2E01-8D14-ED7F-A99885A924AE}"/>
+                <a16:creationId xmlns:a16="http://schemas.microsoft.com/office/drawing/2014/main" id="{B32FEC1A-8EAD-1157-3C5D-C8CB848B90E7}"/>
               </a:ext>
             </a:extLst>
           </p:cNvPr>
@@ -840,7 +840,7 @@
           <p:cNvPr id="4" name="日期占位符 3">
             <a:extLst>
               <a:ext uri="{FF2B5EF4-FFF2-40B4-BE49-F238E27FC236}">
-                <a16:creationId xmlns:a16="http://schemas.microsoft.com/office/drawing/2014/main" id="{AD21C74E-4700-0EEA-A247-BE6DA8A24258}"/>
+                <a16:creationId xmlns:a16="http://schemas.microsoft.com/office/drawing/2014/main" id="{CE5E2770-DCF0-EC7E-04BF-EB655BE5531E}"/>
               </a:ext>
             </a:extLst>
           </p:cNvPr>
@@ -856,7 +856,7 @@
           <a:bodyPr/>
           <a:lstStyle/>
           <a:p>
-            <a:fld id="{BEDC881C-D89C-4EF3-A1E9-F32380B9EF94}" type="datetimeFigureOut">
+            <a:fld id="{7D3B321E-A5EB-4684-B0F1-3FD76CE6CAD5}" type="datetimeFigureOut">
               <a:rPr lang="zh-CN" altLang="en-US" smtClean="0"/>
               <a:t>2024/3/10</a:t>
             </a:fld>
@@ -869,7 +869,7 @@
           <p:cNvPr id="5" name="页脚占位符 4">
             <a:extLst>
               <a:ext uri="{FF2B5EF4-FFF2-40B4-BE49-F238E27FC236}">
-                <a16:creationId xmlns:a16="http://schemas.microsoft.com/office/drawing/2014/main" id="{F96FDDDA-A119-D6DF-2B65-9762824CA6D8}"/>
+                <a16:creationId xmlns:a16="http://schemas.microsoft.com/office/drawing/2014/main" id="{54F41851-6C20-72C1-A406-CD2E0C186EDE}"/>
               </a:ext>
             </a:extLst>
           </p:cNvPr>
@@ -894,7 +894,7 @@
           <p:cNvPr id="6" name="灯片编号占位符 5">
             <a:extLst>
               <a:ext uri="{FF2B5EF4-FFF2-40B4-BE49-F238E27FC236}">
-                <a16:creationId xmlns:a16="http://schemas.microsoft.com/office/drawing/2014/main" id="{31AD5B16-F1B9-E6B6-0000-A1B1C2836F29}"/>
+                <a16:creationId xmlns:a16="http://schemas.microsoft.com/office/drawing/2014/main" id="{0AD1B511-6A67-A56F-3673-CE06FE1BCADB}"/>
               </a:ext>
             </a:extLst>
           </p:cNvPr>
@@ -910,7 +910,7 @@
           <a:bodyPr/>
           <a:lstStyle/>
           <a:p>
-            <a:fld id="{E6FBE710-DFC4-4FB5-9582-4BECA293AC5A}" type="slidenum">
+            <a:fld id="{2BBB5783-9726-4B7E-9C6F-D0817E3BC911}" type="slidenum">
               <a:rPr lang="zh-CN" altLang="en-US" smtClean="0"/>
               <a:t>‹#›</a:t>
             </a:fld>
@@ -921,7 +921,7 @@
     </p:spTree>
     <p:extLst>
       <p:ext uri="{BB962C8B-B14F-4D97-AF65-F5344CB8AC3E}">
-        <p14:creationId xmlns:p14="http://schemas.microsoft.com/office/powerpoint/2010/main" val="3572952025"/>
+        <p14:creationId xmlns:p14="http://schemas.microsoft.com/office/powerpoint/2010/main" val="974656457"/>
       </p:ext>
     </p:extLst>
   </p:cSld>
@@ -953,7 +953,7 @@
           <p:cNvPr id="2" name="标题 1">
             <a:extLst>
               <a:ext uri="{FF2B5EF4-FFF2-40B4-BE49-F238E27FC236}">
-                <a16:creationId xmlns:a16="http://schemas.microsoft.com/office/drawing/2014/main" id="{6A463574-7A44-2FB8-78E9-C3DF9E73E8A3}"/>
+                <a16:creationId xmlns:a16="http://schemas.microsoft.com/office/drawing/2014/main" id="{C9D5D6B5-E665-592E-CC3E-D4D27D353F3F}"/>
               </a:ext>
             </a:extLst>
           </p:cNvPr>
@@ -990,7 +990,7 @@
           <p:cNvPr id="3" name="文本占位符 2">
             <a:extLst>
               <a:ext uri="{FF2B5EF4-FFF2-40B4-BE49-F238E27FC236}">
-                <a16:creationId xmlns:a16="http://schemas.microsoft.com/office/drawing/2014/main" id="{13544DA1-F97C-B5F2-BD66-C18BE8DC894D}"/>
+                <a16:creationId xmlns:a16="http://schemas.microsoft.com/office/drawing/2014/main" id="{47932F4D-14E0-2D39-3799-6AE2AB5D8AE4}"/>
               </a:ext>
             </a:extLst>
           </p:cNvPr>
@@ -1115,7 +1115,7 @@
           <p:cNvPr id="4" name="日期占位符 3">
             <a:extLst>
               <a:ext uri="{FF2B5EF4-FFF2-40B4-BE49-F238E27FC236}">
-                <a16:creationId xmlns:a16="http://schemas.microsoft.com/office/drawing/2014/main" id="{FEE9BFE3-100F-2F67-F8F4-81726261A8C5}"/>
+                <a16:creationId xmlns:a16="http://schemas.microsoft.com/office/drawing/2014/main" id="{AC76EA66-5A8E-3F5B-A2C9-2B76A72195C9}"/>
               </a:ext>
             </a:extLst>
           </p:cNvPr>
@@ -1131,7 +1131,7 @@
           <a:bodyPr/>
           <a:lstStyle/>
           <a:p>
-            <a:fld id="{BEDC881C-D89C-4EF3-A1E9-F32380B9EF94}" type="datetimeFigureOut">
+            <a:fld id="{7D3B321E-A5EB-4684-B0F1-3FD76CE6CAD5}" type="datetimeFigureOut">
               <a:rPr lang="zh-CN" altLang="en-US" smtClean="0"/>
               <a:t>2024/3/10</a:t>
             </a:fld>
@@ -1144,7 +1144,7 @@
           <p:cNvPr id="5" name="页脚占位符 4">
             <a:extLst>
               <a:ext uri="{FF2B5EF4-FFF2-40B4-BE49-F238E27FC236}">
-                <a16:creationId xmlns:a16="http://schemas.microsoft.com/office/drawing/2014/main" id="{9740C9C6-A16B-FBE4-DDAD-D5689044F269}"/>
+                <a16:creationId xmlns:a16="http://schemas.microsoft.com/office/drawing/2014/main" id="{797B9930-244C-A4F6-3206-BE37171D568D}"/>
               </a:ext>
             </a:extLst>
           </p:cNvPr>
@@ -1169,7 +1169,7 @@
           <p:cNvPr id="6" name="灯片编号占位符 5">
             <a:extLst>
               <a:ext uri="{FF2B5EF4-FFF2-40B4-BE49-F238E27FC236}">
-                <a16:creationId xmlns:a16="http://schemas.microsoft.com/office/drawing/2014/main" id="{FA0C2209-5D43-0DE3-1EAB-46254BE55DB9}"/>
+                <a16:creationId xmlns:a16="http://schemas.microsoft.com/office/drawing/2014/main" id="{54E0B1FA-209B-3986-90FD-70E343C1B6D9}"/>
               </a:ext>
             </a:extLst>
           </p:cNvPr>
@@ -1185,7 +1185,7 @@
           <a:bodyPr/>
           <a:lstStyle/>
           <a:p>
-            <a:fld id="{E6FBE710-DFC4-4FB5-9582-4BECA293AC5A}" type="slidenum">
+            <a:fld id="{2BBB5783-9726-4B7E-9C6F-D0817E3BC911}" type="slidenum">
               <a:rPr lang="zh-CN" altLang="en-US" smtClean="0"/>
               <a:t>‹#›</a:t>
             </a:fld>
@@ -1196,7 +1196,7 @@
     </p:spTree>
     <p:extLst>
       <p:ext uri="{BB962C8B-B14F-4D97-AF65-F5344CB8AC3E}">
-        <p14:creationId xmlns:p14="http://schemas.microsoft.com/office/powerpoint/2010/main" val="1907808427"/>
+        <p14:creationId xmlns:p14="http://schemas.microsoft.com/office/powerpoint/2010/main" val="1433891804"/>
       </p:ext>
     </p:extLst>
   </p:cSld>
@@ -1228,7 +1228,7 @@
           <p:cNvPr id="2" name="标题 1">
             <a:extLst>
               <a:ext uri="{FF2B5EF4-FFF2-40B4-BE49-F238E27FC236}">
-                <a16:creationId xmlns:a16="http://schemas.microsoft.com/office/drawing/2014/main" id="{367463A8-6E70-E1E7-00C9-EF3E4E692168}"/>
+                <a16:creationId xmlns:a16="http://schemas.microsoft.com/office/drawing/2014/main" id="{DE90C56A-9253-C782-240D-A74A4BD82739}"/>
               </a:ext>
             </a:extLst>
           </p:cNvPr>
@@ -1256,7 +1256,7 @@
           <p:cNvPr id="3" name="内容占位符 2">
             <a:extLst>
               <a:ext uri="{FF2B5EF4-FFF2-40B4-BE49-F238E27FC236}">
-                <a16:creationId xmlns:a16="http://schemas.microsoft.com/office/drawing/2014/main" id="{47B44A61-06EC-5074-1074-E9B82CE8C202}"/>
+                <a16:creationId xmlns:a16="http://schemas.microsoft.com/office/drawing/2014/main" id="{2F8D0BFE-3658-04E4-3F7B-697D8BFD73E8}"/>
               </a:ext>
             </a:extLst>
           </p:cNvPr>
@@ -1318,7 +1318,7 @@
           <p:cNvPr id="4" name="内容占位符 3">
             <a:extLst>
               <a:ext uri="{FF2B5EF4-FFF2-40B4-BE49-F238E27FC236}">
-                <a16:creationId xmlns:a16="http://schemas.microsoft.com/office/drawing/2014/main" id="{606CD5F4-F1B4-63DF-1B8D-5BD16A3EB1D5}"/>
+                <a16:creationId xmlns:a16="http://schemas.microsoft.com/office/drawing/2014/main" id="{23F8810E-F961-24C1-C41B-DC63E7351DF9}"/>
               </a:ext>
             </a:extLst>
           </p:cNvPr>
@@ -1380,7 +1380,7 @@
           <p:cNvPr id="5" name="日期占位符 4">
             <a:extLst>
               <a:ext uri="{FF2B5EF4-FFF2-40B4-BE49-F238E27FC236}">
-                <a16:creationId xmlns:a16="http://schemas.microsoft.com/office/drawing/2014/main" id="{366F2CBC-D438-0729-C7A7-8183BC3476BF}"/>
+                <a16:creationId xmlns:a16="http://schemas.microsoft.com/office/drawing/2014/main" id="{08BFF39D-23B4-361C-7D0C-07A95F0CE585}"/>
               </a:ext>
             </a:extLst>
           </p:cNvPr>
@@ -1396,7 +1396,7 @@
           <a:bodyPr/>
           <a:lstStyle/>
           <a:p>
-            <a:fld id="{BEDC881C-D89C-4EF3-A1E9-F32380B9EF94}" type="datetimeFigureOut">
+            <a:fld id="{7D3B321E-A5EB-4684-B0F1-3FD76CE6CAD5}" type="datetimeFigureOut">
               <a:rPr lang="zh-CN" altLang="en-US" smtClean="0"/>
               <a:t>2024/3/10</a:t>
             </a:fld>
@@ -1409,7 +1409,7 @@
           <p:cNvPr id="6" name="页脚占位符 5">
             <a:extLst>
               <a:ext uri="{FF2B5EF4-FFF2-40B4-BE49-F238E27FC236}">
-                <a16:creationId xmlns:a16="http://schemas.microsoft.com/office/drawing/2014/main" id="{739EBC10-60CA-9E50-97E9-D2DB2FEA6AA3}"/>
+                <a16:creationId xmlns:a16="http://schemas.microsoft.com/office/drawing/2014/main" id="{53FEDEB0-985D-5F7F-F0E4-E9B9F78642D2}"/>
               </a:ext>
             </a:extLst>
           </p:cNvPr>
@@ -1434,7 +1434,7 @@
           <p:cNvPr id="7" name="灯片编号占位符 6">
             <a:extLst>
               <a:ext uri="{FF2B5EF4-FFF2-40B4-BE49-F238E27FC236}">
-                <a16:creationId xmlns:a16="http://schemas.microsoft.com/office/drawing/2014/main" id="{145766AB-F125-54A1-92B6-A467058CDC5A}"/>
+                <a16:creationId xmlns:a16="http://schemas.microsoft.com/office/drawing/2014/main" id="{6F90AF4C-7C1D-7355-C37F-4C1F4780E4F3}"/>
               </a:ext>
             </a:extLst>
           </p:cNvPr>
@@ -1450,7 +1450,7 @@
           <a:bodyPr/>
           <a:lstStyle/>
           <a:p>
-            <a:fld id="{E6FBE710-DFC4-4FB5-9582-4BECA293AC5A}" type="slidenum">
+            <a:fld id="{2BBB5783-9726-4B7E-9C6F-D0817E3BC911}" type="slidenum">
               <a:rPr lang="zh-CN" altLang="en-US" smtClean="0"/>
               <a:t>‹#›</a:t>
             </a:fld>
@@ -1461,7 +1461,7 @@
     </p:spTree>
     <p:extLst>
       <p:ext uri="{BB962C8B-B14F-4D97-AF65-F5344CB8AC3E}">
-        <p14:creationId xmlns:p14="http://schemas.microsoft.com/office/powerpoint/2010/main" val="2426891697"/>
+        <p14:creationId xmlns:p14="http://schemas.microsoft.com/office/powerpoint/2010/main" val="2479515829"/>
       </p:ext>
     </p:extLst>
   </p:cSld>
@@ -1493,7 +1493,7 @@
           <p:cNvPr id="2" name="标题 1">
             <a:extLst>
               <a:ext uri="{FF2B5EF4-FFF2-40B4-BE49-F238E27FC236}">
-                <a16:creationId xmlns:a16="http://schemas.microsoft.com/office/drawing/2014/main" id="{00FEAF88-540D-090F-E29A-418A455A7025}"/>
+                <a16:creationId xmlns:a16="http://schemas.microsoft.com/office/drawing/2014/main" id="{C5782D63-EF10-7C90-0CA2-334A456C9510}"/>
               </a:ext>
             </a:extLst>
           </p:cNvPr>
@@ -1526,7 +1526,7 @@
           <p:cNvPr id="3" name="文本占位符 2">
             <a:extLst>
               <a:ext uri="{FF2B5EF4-FFF2-40B4-BE49-F238E27FC236}">
-                <a16:creationId xmlns:a16="http://schemas.microsoft.com/office/drawing/2014/main" id="{FA527682-08C0-2BF9-8792-92C12F7FC52A}"/>
+                <a16:creationId xmlns:a16="http://schemas.microsoft.com/office/drawing/2014/main" id="{6592063A-27A4-0AD4-4CE5-4974257FC0D3}"/>
               </a:ext>
             </a:extLst>
           </p:cNvPr>
@@ -1597,7 +1597,7 @@
           <p:cNvPr id="4" name="内容占位符 3">
             <a:extLst>
               <a:ext uri="{FF2B5EF4-FFF2-40B4-BE49-F238E27FC236}">
-                <a16:creationId xmlns:a16="http://schemas.microsoft.com/office/drawing/2014/main" id="{9E021BF8-21A2-2575-0986-BE20BE432143}"/>
+                <a16:creationId xmlns:a16="http://schemas.microsoft.com/office/drawing/2014/main" id="{374858B2-092F-9292-2721-BC897B5CA242}"/>
               </a:ext>
             </a:extLst>
           </p:cNvPr>
@@ -1659,7 +1659,7 @@
           <p:cNvPr id="5" name="文本占位符 4">
             <a:extLst>
               <a:ext uri="{FF2B5EF4-FFF2-40B4-BE49-F238E27FC236}">
-                <a16:creationId xmlns:a16="http://schemas.microsoft.com/office/drawing/2014/main" id="{ACC5A89D-D0A6-232D-5831-1D0F50DC20AA}"/>
+                <a16:creationId xmlns:a16="http://schemas.microsoft.com/office/drawing/2014/main" id="{13F8195F-3679-981A-864E-29B5F60EA9BE}"/>
               </a:ext>
             </a:extLst>
           </p:cNvPr>
@@ -1730,7 +1730,7 @@
           <p:cNvPr id="6" name="内容占位符 5">
             <a:extLst>
               <a:ext uri="{FF2B5EF4-FFF2-40B4-BE49-F238E27FC236}">
-                <a16:creationId xmlns:a16="http://schemas.microsoft.com/office/drawing/2014/main" id="{689BCA76-16B1-4DD4-879B-4C02ACEB55D1}"/>
+                <a16:creationId xmlns:a16="http://schemas.microsoft.com/office/drawing/2014/main" id="{11A42892-96B0-7F7B-A2D3-1C1D7B5E463F}"/>
               </a:ext>
             </a:extLst>
           </p:cNvPr>
@@ -1792,7 +1792,7 @@
           <p:cNvPr id="7" name="日期占位符 6">
             <a:extLst>
               <a:ext uri="{FF2B5EF4-FFF2-40B4-BE49-F238E27FC236}">
-                <a16:creationId xmlns:a16="http://schemas.microsoft.com/office/drawing/2014/main" id="{C34DF3D0-BFDE-84A2-8791-E5EF33C14271}"/>
+                <a16:creationId xmlns:a16="http://schemas.microsoft.com/office/drawing/2014/main" id="{EBB3A3AA-8CF5-9549-AA8E-A364C37187AE}"/>
               </a:ext>
             </a:extLst>
           </p:cNvPr>
@@ -1808,7 +1808,7 @@
           <a:bodyPr/>
           <a:lstStyle/>
           <a:p>
-            <a:fld id="{BEDC881C-D89C-4EF3-A1E9-F32380B9EF94}" type="datetimeFigureOut">
+            <a:fld id="{7D3B321E-A5EB-4684-B0F1-3FD76CE6CAD5}" type="datetimeFigureOut">
               <a:rPr lang="zh-CN" altLang="en-US" smtClean="0"/>
               <a:t>2024/3/10</a:t>
             </a:fld>
@@ -1821,7 +1821,7 @@
           <p:cNvPr id="8" name="页脚占位符 7">
             <a:extLst>
               <a:ext uri="{FF2B5EF4-FFF2-40B4-BE49-F238E27FC236}">
-                <a16:creationId xmlns:a16="http://schemas.microsoft.com/office/drawing/2014/main" id="{88F47F63-D876-89A0-5460-A239FB07CFD1}"/>
+                <a16:creationId xmlns:a16="http://schemas.microsoft.com/office/drawing/2014/main" id="{715C2F39-C3BA-36AE-4420-175AB7598416}"/>
               </a:ext>
             </a:extLst>
           </p:cNvPr>
@@ -1846,7 +1846,7 @@
           <p:cNvPr id="9" name="灯片编号占位符 8">
             <a:extLst>
               <a:ext uri="{FF2B5EF4-FFF2-40B4-BE49-F238E27FC236}">
-                <a16:creationId xmlns:a16="http://schemas.microsoft.com/office/drawing/2014/main" id="{434F5789-0C0C-64B9-E57B-9ED429B3F970}"/>
+                <a16:creationId xmlns:a16="http://schemas.microsoft.com/office/drawing/2014/main" id="{4CC57242-13FA-364C-D337-0EF91C40CF11}"/>
               </a:ext>
             </a:extLst>
           </p:cNvPr>
@@ -1862,7 +1862,7 @@
           <a:bodyPr/>
           <a:lstStyle/>
           <a:p>
-            <a:fld id="{E6FBE710-DFC4-4FB5-9582-4BECA293AC5A}" type="slidenum">
+            <a:fld id="{2BBB5783-9726-4B7E-9C6F-D0817E3BC911}" type="slidenum">
               <a:rPr lang="zh-CN" altLang="en-US" smtClean="0"/>
               <a:t>‹#›</a:t>
             </a:fld>
@@ -1873,7 +1873,7 @@
     </p:spTree>
     <p:extLst>
       <p:ext uri="{BB962C8B-B14F-4D97-AF65-F5344CB8AC3E}">
-        <p14:creationId xmlns:p14="http://schemas.microsoft.com/office/powerpoint/2010/main" val="3394225835"/>
+        <p14:creationId xmlns:p14="http://schemas.microsoft.com/office/powerpoint/2010/main" val="3098441828"/>
       </p:ext>
     </p:extLst>
   </p:cSld>
@@ -1905,7 +1905,7 @@
           <p:cNvPr id="2" name="标题 1">
             <a:extLst>
               <a:ext uri="{FF2B5EF4-FFF2-40B4-BE49-F238E27FC236}">
-                <a16:creationId xmlns:a16="http://schemas.microsoft.com/office/drawing/2014/main" id="{2F2EF244-EC1D-6726-4A70-BE051FFA2CAD}"/>
+                <a16:creationId xmlns:a16="http://schemas.microsoft.com/office/drawing/2014/main" id="{74583361-51E4-0215-BBED-029C92904DE8}"/>
               </a:ext>
             </a:extLst>
           </p:cNvPr>
@@ -1933,7 +1933,7 @@
           <p:cNvPr id="3" name="日期占位符 2">
             <a:extLst>
               <a:ext uri="{FF2B5EF4-FFF2-40B4-BE49-F238E27FC236}">
-                <a16:creationId xmlns:a16="http://schemas.microsoft.com/office/drawing/2014/main" id="{09A1CF6B-0613-17FD-0AAF-8CB5B9CCD998}"/>
+                <a16:creationId xmlns:a16="http://schemas.microsoft.com/office/drawing/2014/main" id="{1037F0DE-5F37-7254-89FC-694472A3288B}"/>
               </a:ext>
             </a:extLst>
           </p:cNvPr>
@@ -1949,7 +1949,7 @@
           <a:bodyPr/>
           <a:lstStyle/>
           <a:p>
-            <a:fld id="{BEDC881C-D89C-4EF3-A1E9-F32380B9EF94}" type="datetimeFigureOut">
+            <a:fld id="{7D3B321E-A5EB-4684-B0F1-3FD76CE6CAD5}" type="datetimeFigureOut">
               <a:rPr lang="zh-CN" altLang="en-US" smtClean="0"/>
               <a:t>2024/3/10</a:t>
             </a:fld>
@@ -1962,7 +1962,7 @@
           <p:cNvPr id="4" name="页脚占位符 3">
             <a:extLst>
               <a:ext uri="{FF2B5EF4-FFF2-40B4-BE49-F238E27FC236}">
-                <a16:creationId xmlns:a16="http://schemas.microsoft.com/office/drawing/2014/main" id="{07DAAACF-0B1B-A5CA-2223-3D4D4538F133}"/>
+                <a16:creationId xmlns:a16="http://schemas.microsoft.com/office/drawing/2014/main" id="{965F39E7-9E32-D921-5B2A-0F4CEA8D817E}"/>
               </a:ext>
             </a:extLst>
           </p:cNvPr>
@@ -1987,7 +1987,7 @@
           <p:cNvPr id="5" name="灯片编号占位符 4">
             <a:extLst>
               <a:ext uri="{FF2B5EF4-FFF2-40B4-BE49-F238E27FC236}">
-                <a16:creationId xmlns:a16="http://schemas.microsoft.com/office/drawing/2014/main" id="{25696A7C-21A9-4B1E-3D6A-4F204AA1CC24}"/>
+                <a16:creationId xmlns:a16="http://schemas.microsoft.com/office/drawing/2014/main" id="{DE950F8A-3B08-4431-A986-DE6047297D7A}"/>
               </a:ext>
             </a:extLst>
           </p:cNvPr>
@@ -2003,7 +2003,7 @@
           <a:bodyPr/>
           <a:lstStyle/>
           <a:p>
-            <a:fld id="{E6FBE710-DFC4-4FB5-9582-4BECA293AC5A}" type="slidenum">
+            <a:fld id="{2BBB5783-9726-4B7E-9C6F-D0817E3BC911}" type="slidenum">
               <a:rPr lang="zh-CN" altLang="en-US" smtClean="0"/>
               <a:t>‹#›</a:t>
             </a:fld>
@@ -2014,7 +2014,7 @@
     </p:spTree>
     <p:extLst>
       <p:ext uri="{BB962C8B-B14F-4D97-AF65-F5344CB8AC3E}">
-        <p14:creationId xmlns:p14="http://schemas.microsoft.com/office/powerpoint/2010/main" val="3173963710"/>
+        <p14:creationId xmlns:p14="http://schemas.microsoft.com/office/powerpoint/2010/main" val="2431640482"/>
       </p:ext>
     </p:extLst>
   </p:cSld>
@@ -2046,7 +2046,7 @@
           <p:cNvPr id="2" name="日期占位符 1">
             <a:extLst>
               <a:ext uri="{FF2B5EF4-FFF2-40B4-BE49-F238E27FC236}">
-                <a16:creationId xmlns:a16="http://schemas.microsoft.com/office/drawing/2014/main" id="{A5644BDB-CA75-D69A-2964-B9A7A4497E9D}"/>
+                <a16:creationId xmlns:a16="http://schemas.microsoft.com/office/drawing/2014/main" id="{929035DD-6340-7087-B553-88373FDF50B8}"/>
               </a:ext>
             </a:extLst>
           </p:cNvPr>
@@ -2062,7 +2062,7 @@
           <a:bodyPr/>
           <a:lstStyle/>
           <a:p>
-            <a:fld id="{BEDC881C-D89C-4EF3-A1E9-F32380B9EF94}" type="datetimeFigureOut">
+            <a:fld id="{7D3B321E-A5EB-4684-B0F1-3FD76CE6CAD5}" type="datetimeFigureOut">
               <a:rPr lang="zh-CN" altLang="en-US" smtClean="0"/>
               <a:t>2024/3/10</a:t>
             </a:fld>
@@ -2075,7 +2075,7 @@
           <p:cNvPr id="3" name="页脚占位符 2">
             <a:extLst>
               <a:ext uri="{FF2B5EF4-FFF2-40B4-BE49-F238E27FC236}">
-                <a16:creationId xmlns:a16="http://schemas.microsoft.com/office/drawing/2014/main" id="{471E5E48-0E0C-D22C-D9CB-08BECF6BCA93}"/>
+                <a16:creationId xmlns:a16="http://schemas.microsoft.com/office/drawing/2014/main" id="{2E00A420-A14A-5EEF-7B81-6AA34D227E3C}"/>
               </a:ext>
             </a:extLst>
           </p:cNvPr>
@@ -2100,7 +2100,7 @@
           <p:cNvPr id="4" name="灯片编号占位符 3">
             <a:extLst>
               <a:ext uri="{FF2B5EF4-FFF2-40B4-BE49-F238E27FC236}">
-                <a16:creationId xmlns:a16="http://schemas.microsoft.com/office/drawing/2014/main" id="{60EDF281-DB9C-68D5-E8D0-414A152A983E}"/>
+                <a16:creationId xmlns:a16="http://schemas.microsoft.com/office/drawing/2014/main" id="{BD0F6778-B7F4-9C84-3946-9BB3CF126B0C}"/>
               </a:ext>
             </a:extLst>
           </p:cNvPr>
@@ -2116,7 +2116,7 @@
           <a:bodyPr/>
           <a:lstStyle/>
           <a:p>
-            <a:fld id="{E6FBE710-DFC4-4FB5-9582-4BECA293AC5A}" type="slidenum">
+            <a:fld id="{2BBB5783-9726-4B7E-9C6F-D0817E3BC911}" type="slidenum">
               <a:rPr lang="zh-CN" altLang="en-US" smtClean="0"/>
               <a:t>‹#›</a:t>
             </a:fld>
@@ -2127,7 +2127,7 @@
     </p:spTree>
     <p:extLst>
       <p:ext uri="{BB962C8B-B14F-4D97-AF65-F5344CB8AC3E}">
-        <p14:creationId xmlns:p14="http://schemas.microsoft.com/office/powerpoint/2010/main" val="103707172"/>
+        <p14:creationId xmlns:p14="http://schemas.microsoft.com/office/powerpoint/2010/main" val="3771753607"/>
       </p:ext>
     </p:extLst>
   </p:cSld>
@@ -2159,7 +2159,7 @@
           <p:cNvPr id="2" name="标题 1">
             <a:extLst>
               <a:ext uri="{FF2B5EF4-FFF2-40B4-BE49-F238E27FC236}">
-                <a16:creationId xmlns:a16="http://schemas.microsoft.com/office/drawing/2014/main" id="{A2628409-E2E8-0D17-74FF-7BE205F90895}"/>
+                <a16:creationId xmlns:a16="http://schemas.microsoft.com/office/drawing/2014/main" id="{ACA6F435-8E5D-A74A-CE9E-A80F266EE822}"/>
               </a:ext>
             </a:extLst>
           </p:cNvPr>
@@ -2196,7 +2196,7 @@
           <p:cNvPr id="3" name="内容占位符 2">
             <a:extLst>
               <a:ext uri="{FF2B5EF4-FFF2-40B4-BE49-F238E27FC236}">
-                <a16:creationId xmlns:a16="http://schemas.microsoft.com/office/drawing/2014/main" id="{F7CF57CE-42C6-7076-4241-C3A83EF05B98}"/>
+                <a16:creationId xmlns:a16="http://schemas.microsoft.com/office/drawing/2014/main" id="{DF57AF2C-F4F8-D232-1627-3F1C3810393A}"/>
               </a:ext>
             </a:extLst>
           </p:cNvPr>
@@ -2286,7 +2286,7 @@
           <p:cNvPr id="4" name="文本占位符 3">
             <a:extLst>
               <a:ext uri="{FF2B5EF4-FFF2-40B4-BE49-F238E27FC236}">
-                <a16:creationId xmlns:a16="http://schemas.microsoft.com/office/drawing/2014/main" id="{89CC8EC1-08A5-C73B-F450-270CA086380C}"/>
+                <a16:creationId xmlns:a16="http://schemas.microsoft.com/office/drawing/2014/main" id="{9E2E38FD-DD4E-2B21-9EE3-86AE10722E85}"/>
               </a:ext>
             </a:extLst>
           </p:cNvPr>
@@ -2357,7 +2357,7 @@
           <p:cNvPr id="5" name="日期占位符 4">
             <a:extLst>
               <a:ext uri="{FF2B5EF4-FFF2-40B4-BE49-F238E27FC236}">
-                <a16:creationId xmlns:a16="http://schemas.microsoft.com/office/drawing/2014/main" id="{32296708-7118-DBC6-4842-8DB8B4AA565B}"/>
+                <a16:creationId xmlns:a16="http://schemas.microsoft.com/office/drawing/2014/main" id="{A4548D3B-91F7-15E8-645C-9B5DFAC98117}"/>
               </a:ext>
             </a:extLst>
           </p:cNvPr>
@@ -2373,7 +2373,7 @@
           <a:bodyPr/>
           <a:lstStyle/>
           <a:p>
-            <a:fld id="{BEDC881C-D89C-4EF3-A1E9-F32380B9EF94}" type="datetimeFigureOut">
+            <a:fld id="{7D3B321E-A5EB-4684-B0F1-3FD76CE6CAD5}" type="datetimeFigureOut">
               <a:rPr lang="zh-CN" altLang="en-US" smtClean="0"/>
               <a:t>2024/3/10</a:t>
             </a:fld>
@@ -2386,7 +2386,7 @@
           <p:cNvPr id="6" name="页脚占位符 5">
             <a:extLst>
               <a:ext uri="{FF2B5EF4-FFF2-40B4-BE49-F238E27FC236}">
-                <a16:creationId xmlns:a16="http://schemas.microsoft.com/office/drawing/2014/main" id="{6B121EEB-A5AD-328B-0A8C-0AE280E16C42}"/>
+                <a16:creationId xmlns:a16="http://schemas.microsoft.com/office/drawing/2014/main" id="{6500D02F-D236-DCB3-FCFE-C20CFDE37E85}"/>
               </a:ext>
             </a:extLst>
           </p:cNvPr>
@@ -2411,7 +2411,7 @@
           <p:cNvPr id="7" name="灯片编号占位符 6">
             <a:extLst>
               <a:ext uri="{FF2B5EF4-FFF2-40B4-BE49-F238E27FC236}">
-                <a16:creationId xmlns:a16="http://schemas.microsoft.com/office/drawing/2014/main" id="{05DEC973-7022-37CC-F8DF-A19DECFEFC32}"/>
+                <a16:creationId xmlns:a16="http://schemas.microsoft.com/office/drawing/2014/main" id="{5A8B0E29-5ADF-CAC2-59FE-B6E22BC42ED1}"/>
               </a:ext>
             </a:extLst>
           </p:cNvPr>
@@ -2427,7 +2427,7 @@
           <a:bodyPr/>
           <a:lstStyle/>
           <a:p>
-            <a:fld id="{E6FBE710-DFC4-4FB5-9582-4BECA293AC5A}" type="slidenum">
+            <a:fld id="{2BBB5783-9726-4B7E-9C6F-D0817E3BC911}" type="slidenum">
               <a:rPr lang="zh-CN" altLang="en-US" smtClean="0"/>
               <a:t>‹#›</a:t>
             </a:fld>
@@ -2438,7 +2438,7 @@
     </p:spTree>
     <p:extLst>
       <p:ext uri="{BB962C8B-B14F-4D97-AF65-F5344CB8AC3E}">
-        <p14:creationId xmlns:p14="http://schemas.microsoft.com/office/powerpoint/2010/main" val="567640842"/>
+        <p14:creationId xmlns:p14="http://schemas.microsoft.com/office/powerpoint/2010/main" val="1814431092"/>
       </p:ext>
     </p:extLst>
   </p:cSld>
@@ -2470,7 +2470,7 @@
           <p:cNvPr id="2" name="标题 1">
             <a:extLst>
               <a:ext uri="{FF2B5EF4-FFF2-40B4-BE49-F238E27FC236}">
-                <a16:creationId xmlns:a16="http://schemas.microsoft.com/office/drawing/2014/main" id="{E0608BA3-FBA2-545A-7DA0-A536C1CB3935}"/>
+                <a16:creationId xmlns:a16="http://schemas.microsoft.com/office/drawing/2014/main" id="{6958B6EE-750F-5B1F-86D5-F5A9D72D96C4}"/>
               </a:ext>
             </a:extLst>
           </p:cNvPr>
@@ -2507,7 +2507,7 @@
           <p:cNvPr id="3" name="图片占位符 2">
             <a:extLst>
               <a:ext uri="{FF2B5EF4-FFF2-40B4-BE49-F238E27FC236}">
-                <a16:creationId xmlns:a16="http://schemas.microsoft.com/office/drawing/2014/main" id="{DB20B36C-5ED6-0022-3B88-2EDB42FC3B8E}"/>
+                <a16:creationId xmlns:a16="http://schemas.microsoft.com/office/drawing/2014/main" id="{385DE694-EC6E-A9F4-F7EB-41070C402FC1}"/>
               </a:ext>
             </a:extLst>
           </p:cNvPr>
@@ -2574,7 +2574,7 @@
           <p:cNvPr id="4" name="文本占位符 3">
             <a:extLst>
               <a:ext uri="{FF2B5EF4-FFF2-40B4-BE49-F238E27FC236}">
-                <a16:creationId xmlns:a16="http://schemas.microsoft.com/office/drawing/2014/main" id="{7D2E9849-E0CB-409A-FCA9-93F81574AB6D}"/>
+                <a16:creationId xmlns:a16="http://schemas.microsoft.com/office/drawing/2014/main" id="{CF26B6D9-DCFD-A42D-0CFE-8E7038D58EAA}"/>
               </a:ext>
             </a:extLst>
           </p:cNvPr>
@@ -2645,7 +2645,7 @@
           <p:cNvPr id="5" name="日期占位符 4">
             <a:extLst>
               <a:ext uri="{FF2B5EF4-FFF2-40B4-BE49-F238E27FC236}">
-                <a16:creationId xmlns:a16="http://schemas.microsoft.com/office/drawing/2014/main" id="{6F4A9790-2FE0-EFA8-FFA3-6F1298ADB5BA}"/>
+                <a16:creationId xmlns:a16="http://schemas.microsoft.com/office/drawing/2014/main" id="{391784A9-21DC-E6DE-3E60-3447B18386BE}"/>
               </a:ext>
             </a:extLst>
           </p:cNvPr>
@@ -2661,7 +2661,7 @@
           <a:bodyPr/>
           <a:lstStyle/>
           <a:p>
-            <a:fld id="{BEDC881C-D89C-4EF3-A1E9-F32380B9EF94}" type="datetimeFigureOut">
+            <a:fld id="{7D3B321E-A5EB-4684-B0F1-3FD76CE6CAD5}" type="datetimeFigureOut">
               <a:rPr lang="zh-CN" altLang="en-US" smtClean="0"/>
               <a:t>2024/3/10</a:t>
             </a:fld>
@@ -2674,7 +2674,7 @@
           <p:cNvPr id="6" name="页脚占位符 5">
             <a:extLst>
               <a:ext uri="{FF2B5EF4-FFF2-40B4-BE49-F238E27FC236}">
-                <a16:creationId xmlns:a16="http://schemas.microsoft.com/office/drawing/2014/main" id="{E496C379-A7A7-E43F-0B17-4086DBBF27D7}"/>
+                <a16:creationId xmlns:a16="http://schemas.microsoft.com/office/drawing/2014/main" id="{6175D07D-9AC1-808B-3005-85252976840E}"/>
               </a:ext>
             </a:extLst>
           </p:cNvPr>
@@ -2699,7 +2699,7 @@
           <p:cNvPr id="7" name="灯片编号占位符 6">
             <a:extLst>
               <a:ext uri="{FF2B5EF4-FFF2-40B4-BE49-F238E27FC236}">
-                <a16:creationId xmlns:a16="http://schemas.microsoft.com/office/drawing/2014/main" id="{0BE7C3BC-ADEF-0FF9-6F88-E51FC781F944}"/>
+                <a16:creationId xmlns:a16="http://schemas.microsoft.com/office/drawing/2014/main" id="{8D4A09E9-AF9E-E13E-068C-04D4E22740D6}"/>
               </a:ext>
             </a:extLst>
           </p:cNvPr>
@@ -2715,7 +2715,7 @@
           <a:bodyPr/>
           <a:lstStyle/>
           <a:p>
-            <a:fld id="{E6FBE710-DFC4-4FB5-9582-4BECA293AC5A}" type="slidenum">
+            <a:fld id="{2BBB5783-9726-4B7E-9C6F-D0817E3BC911}" type="slidenum">
               <a:rPr lang="zh-CN" altLang="en-US" smtClean="0"/>
               <a:t>‹#›</a:t>
             </a:fld>
@@ -2726,7 +2726,7 @@
     </p:spTree>
     <p:extLst>
       <p:ext uri="{BB962C8B-B14F-4D97-AF65-F5344CB8AC3E}">
-        <p14:creationId xmlns:p14="http://schemas.microsoft.com/office/powerpoint/2010/main" val="1313728938"/>
+        <p14:creationId xmlns:p14="http://schemas.microsoft.com/office/powerpoint/2010/main" val="2803021874"/>
       </p:ext>
     </p:extLst>
   </p:cSld>
@@ -2763,7 +2763,7 @@
           <p:cNvPr id="2" name="标题占位符 1">
             <a:extLst>
               <a:ext uri="{FF2B5EF4-FFF2-40B4-BE49-F238E27FC236}">
-                <a16:creationId xmlns:a16="http://schemas.microsoft.com/office/drawing/2014/main" id="{AAFA6DD9-8F8F-7553-72AF-5AB2EB3EE4C9}"/>
+                <a16:creationId xmlns:a16="http://schemas.microsoft.com/office/drawing/2014/main" id="{314A3D65-05C9-B5F1-5532-6E53527461FC}"/>
               </a:ext>
             </a:extLst>
           </p:cNvPr>
@@ -2801,7 +2801,7 @@
           <p:cNvPr id="3" name="文本占位符 2">
             <a:extLst>
               <a:ext uri="{FF2B5EF4-FFF2-40B4-BE49-F238E27FC236}">
-                <a16:creationId xmlns:a16="http://schemas.microsoft.com/office/drawing/2014/main" id="{A227C6A6-2C5A-AD88-4231-274DAF517130}"/>
+                <a16:creationId xmlns:a16="http://schemas.microsoft.com/office/drawing/2014/main" id="{18F017DF-94FF-2B21-0188-A2494DA548B6}"/>
               </a:ext>
             </a:extLst>
           </p:cNvPr>
@@ -2868,7 +2868,7 @@
           <p:cNvPr id="4" name="日期占位符 3">
             <a:extLst>
               <a:ext uri="{FF2B5EF4-FFF2-40B4-BE49-F238E27FC236}">
-                <a16:creationId xmlns:a16="http://schemas.microsoft.com/office/drawing/2014/main" id="{85081AF2-CE5E-AD9D-A715-21F23E38D333}"/>
+                <a16:creationId xmlns:a16="http://schemas.microsoft.com/office/drawing/2014/main" id="{592AD6CB-1374-9877-6426-EE76C7DFE01F}"/>
               </a:ext>
             </a:extLst>
           </p:cNvPr>
@@ -2902,7 +2902,7 @@
             </a:lvl1pPr>
           </a:lstStyle>
           <a:p>
-            <a:fld id="{BEDC881C-D89C-4EF3-A1E9-F32380B9EF94}" type="datetimeFigureOut">
+            <a:fld id="{7D3B321E-A5EB-4684-B0F1-3FD76CE6CAD5}" type="datetimeFigureOut">
               <a:rPr lang="zh-CN" altLang="en-US" smtClean="0"/>
               <a:t>2024/3/10</a:t>
             </a:fld>
@@ -2915,7 +2915,7 @@
           <p:cNvPr id="5" name="页脚占位符 4">
             <a:extLst>
               <a:ext uri="{FF2B5EF4-FFF2-40B4-BE49-F238E27FC236}">
-                <a16:creationId xmlns:a16="http://schemas.microsoft.com/office/drawing/2014/main" id="{6054027A-4842-03C0-D03C-12950E42DC79}"/>
+                <a16:creationId xmlns:a16="http://schemas.microsoft.com/office/drawing/2014/main" id="{BC843F85-43C5-1343-3AF4-91654C396542}"/>
               </a:ext>
             </a:extLst>
           </p:cNvPr>
@@ -2958,7 +2958,7 @@
           <p:cNvPr id="6" name="灯片编号占位符 5">
             <a:extLst>
               <a:ext uri="{FF2B5EF4-FFF2-40B4-BE49-F238E27FC236}">
-                <a16:creationId xmlns:a16="http://schemas.microsoft.com/office/drawing/2014/main" id="{7923303F-1997-32DC-ADD2-834826848F2D}"/>
+                <a16:creationId xmlns:a16="http://schemas.microsoft.com/office/drawing/2014/main" id="{B7564C0E-E83D-226E-20B2-3EA8B8026E67}"/>
               </a:ext>
             </a:extLst>
           </p:cNvPr>
@@ -2992,7 +2992,7 @@
             </a:lvl1pPr>
           </a:lstStyle>
           <a:p>
-            <a:fld id="{E6FBE710-DFC4-4FB5-9582-4BECA293AC5A}" type="slidenum">
+            <a:fld id="{2BBB5783-9726-4B7E-9C6F-D0817E3BC911}" type="slidenum">
               <a:rPr lang="zh-CN" altLang="en-US" smtClean="0"/>
               <a:t>‹#›</a:t>
             </a:fld>
@@ -3003,7 +3003,7 @@
     </p:spTree>
     <p:extLst>
       <p:ext uri="{BB962C8B-B14F-4D97-AF65-F5344CB8AC3E}">
-        <p14:creationId xmlns:p14="http://schemas.microsoft.com/office/powerpoint/2010/main" val="1894192919"/>
+        <p14:creationId xmlns:p14="http://schemas.microsoft.com/office/powerpoint/2010/main" val="3222353306"/>
       </p:ext>
     </p:extLst>
   </p:cSld>
